--- a/docs/milestones/hito_0/presentacionhito0.pptx
+++ b/docs/milestones/hito_0/presentacionhito0.pptx
@@ -3552,10 +3552,10 @@
       </p:sp>
       <p:pic>
         <p:nvPicPr>
-          <p:cNvPr id="7" name="Imagen 6">
-            <a:extLst>
-              <a:ext uri="{FF2B5EF4-FFF2-40B4-BE49-F238E27FC236}">
-                <a16:creationId xmlns:a16="http://schemas.microsoft.com/office/drawing/2014/main" id="{54BD3B6C-6394-42D1-82E2-CF064043E4E1}"/>
+          <p:cNvPr id="11" name="Imagen 10">
+            <a:extLst>
+              <a:ext uri="{FF2B5EF4-FFF2-40B4-BE49-F238E27FC236}">
+                <a16:creationId xmlns:a16="http://schemas.microsoft.com/office/drawing/2014/main" id="{D8A38B41-D9FF-4F0E-A72D-535F2C275321}"/>
               </a:ext>
             </a:extLst>
           </p:cNvPr>
@@ -3578,8 +3578,8 @@
         </p:blipFill>
         <p:spPr>
           <a:xfrm>
-            <a:off x="6591300" y="1866123"/>
-            <a:ext cx="4762500" cy="2676525"/>
+            <a:off x="4176455" y="4334454"/>
+            <a:ext cx="3839090" cy="2158421"/>
           </a:xfrm>
           <a:prstGeom prst="rect">
             <a:avLst/>
@@ -3588,10 +3588,10 @@
       </p:pic>
       <p:pic>
         <p:nvPicPr>
-          <p:cNvPr id="4" name="Imagen 3">
-            <a:extLst>
-              <a:ext uri="{FF2B5EF4-FFF2-40B4-BE49-F238E27FC236}">
-                <a16:creationId xmlns:a16="http://schemas.microsoft.com/office/drawing/2014/main" id="{0A6DB531-9EBD-4BED-8890-C3F6E56D94D5}"/>
+          <p:cNvPr id="13" name="Imagen 12">
+            <a:extLst>
+              <a:ext uri="{FF2B5EF4-FFF2-40B4-BE49-F238E27FC236}">
+                <a16:creationId xmlns:a16="http://schemas.microsoft.com/office/drawing/2014/main" id="{D8744E81-CB04-4E94-85FB-BA2169A97699}"/>
               </a:ext>
             </a:extLst>
           </p:cNvPr>
@@ -3614,8 +3614,80 @@
         </p:blipFill>
         <p:spPr>
           <a:xfrm>
-            <a:off x="838200" y="1866123"/>
-            <a:ext cx="3981060" cy="2239346"/>
+            <a:off x="1143508" y="2818461"/>
+            <a:ext cx="2619237" cy="3674414"/>
+          </a:xfrm>
+          <a:prstGeom prst="rect">
+            <a:avLst/>
+          </a:prstGeom>
+        </p:spPr>
+      </p:pic>
+      <p:pic>
+        <p:nvPicPr>
+          <p:cNvPr id="15" name="Imagen 14">
+            <a:extLst>
+              <a:ext uri="{FF2B5EF4-FFF2-40B4-BE49-F238E27FC236}">
+                <a16:creationId xmlns:a16="http://schemas.microsoft.com/office/drawing/2014/main" id="{F1ABD455-DFF5-4D51-8D17-4713CD461EFF}"/>
+              </a:ext>
+            </a:extLst>
+          </p:cNvPr>
+          <p:cNvPicPr>
+            <a:picLocks noChangeAspect="1"/>
+          </p:cNvPicPr>
+          <p:nvPr/>
+        </p:nvPicPr>
+        <p:blipFill>
+          <a:blip r:embed="rId4">
+            <a:extLst>
+              <a:ext uri="{28A0092B-C50C-407E-A947-70E740481C1C}">
+                <a14:useLocalDpi xmlns:a14="http://schemas.microsoft.com/office/drawing/2010/main" val="0"/>
+              </a:ext>
+            </a:extLst>
+          </a:blip>
+          <a:stretch>
+            <a:fillRect/>
+          </a:stretch>
+        </p:blipFill>
+        <p:spPr>
+          <a:xfrm>
+            <a:off x="8429255" y="2818461"/>
+            <a:ext cx="2619237" cy="3674414"/>
+          </a:xfrm>
+          <a:prstGeom prst="rect">
+            <a:avLst/>
+          </a:prstGeom>
+        </p:spPr>
+      </p:pic>
+      <p:pic>
+        <p:nvPicPr>
+          <p:cNvPr id="17" name="Imagen 16">
+            <a:extLst>
+              <a:ext uri="{FF2B5EF4-FFF2-40B4-BE49-F238E27FC236}">
+                <a16:creationId xmlns:a16="http://schemas.microsoft.com/office/drawing/2014/main" id="{19F02B7C-2406-4EC2-AC38-FDA8C60A22CA}"/>
+              </a:ext>
+            </a:extLst>
+          </p:cNvPr>
+          <p:cNvPicPr>
+            <a:picLocks noChangeAspect="1"/>
+          </p:cNvPicPr>
+          <p:nvPr/>
+        </p:nvPicPr>
+        <p:blipFill>
+          <a:blip r:embed="rId5">
+            <a:extLst>
+              <a:ext uri="{28A0092B-C50C-407E-A947-70E740481C1C}">
+                <a14:useLocalDpi xmlns:a14="http://schemas.microsoft.com/office/drawing/2010/main" val="0"/>
+              </a:ext>
+            </a:extLst>
+          </a:blip>
+          <a:stretch>
+            <a:fillRect/>
+          </a:stretch>
+        </p:blipFill>
+        <p:spPr>
+          <a:xfrm>
+            <a:off x="4284859" y="2135041"/>
+            <a:ext cx="3622282" cy="2037534"/>
           </a:xfrm>
           <a:prstGeom prst="rect">
             <a:avLst/>
@@ -3680,6 +3752,305 @@
               </a:rPr>
               <a:t>FASES DE JUEGO</a:t>
             </a:r>
+          </a:p>
+        </p:txBody>
+      </p:sp>
+      <p:pic>
+        <p:nvPicPr>
+          <p:cNvPr id="3" name="Imagen 2">
+            <a:extLst>
+              <a:ext uri="{FF2B5EF4-FFF2-40B4-BE49-F238E27FC236}">
+                <a16:creationId xmlns:a16="http://schemas.microsoft.com/office/drawing/2014/main" id="{F792ABD2-62A3-48B7-8991-62068596D48B}"/>
+              </a:ext>
+            </a:extLst>
+          </p:cNvPr>
+          <p:cNvPicPr>
+            <a:picLocks noChangeAspect="1"/>
+          </p:cNvPicPr>
+          <p:nvPr/>
+        </p:nvPicPr>
+        <p:blipFill>
+          <a:blip r:embed="rId2">
+            <a:extLst>
+              <a:ext uri="{28A0092B-C50C-407E-A947-70E740481C1C}">
+                <a14:useLocalDpi xmlns:a14="http://schemas.microsoft.com/office/drawing/2010/main" val="0"/>
+              </a:ext>
+            </a:extLst>
+          </a:blip>
+          <a:stretch>
+            <a:fillRect/>
+          </a:stretch>
+        </p:blipFill>
+        <p:spPr>
+          <a:xfrm>
+            <a:off x="3770658" y="2319823"/>
+            <a:ext cx="3947247" cy="2218353"/>
+          </a:xfrm>
+          <a:prstGeom prst="rect">
+            <a:avLst/>
+          </a:prstGeom>
+        </p:spPr>
+      </p:pic>
+      <p:pic>
+        <p:nvPicPr>
+          <p:cNvPr id="5" name="Imagen 4">
+            <a:extLst>
+              <a:ext uri="{FF2B5EF4-FFF2-40B4-BE49-F238E27FC236}">
+                <a16:creationId xmlns:a16="http://schemas.microsoft.com/office/drawing/2014/main" id="{3DCD442C-19AE-4681-B248-EA6C2793BB93}"/>
+              </a:ext>
+            </a:extLst>
+          </p:cNvPr>
+          <p:cNvPicPr>
+            <a:picLocks noChangeAspect="1"/>
+          </p:cNvPicPr>
+          <p:nvPr/>
+        </p:nvPicPr>
+        <p:blipFill>
+          <a:blip r:embed="rId3">
+            <a:extLst>
+              <a:ext uri="{28A0092B-C50C-407E-A947-70E740481C1C}">
+                <a14:useLocalDpi xmlns:a14="http://schemas.microsoft.com/office/drawing/2010/main" val="0"/>
+              </a:ext>
+            </a:extLst>
+          </a:blip>
+          <a:stretch>
+            <a:fillRect/>
+          </a:stretch>
+        </p:blipFill>
+        <p:spPr>
+          <a:xfrm>
+            <a:off x="637327" y="3115069"/>
+            <a:ext cx="2957804" cy="2218353"/>
+          </a:xfrm>
+          <a:prstGeom prst="rect">
+            <a:avLst/>
+          </a:prstGeom>
+        </p:spPr>
+      </p:pic>
+      <p:pic>
+        <p:nvPicPr>
+          <p:cNvPr id="7" name="Imagen 6">
+            <a:extLst>
+              <a:ext uri="{FF2B5EF4-FFF2-40B4-BE49-F238E27FC236}">
+                <a16:creationId xmlns:a16="http://schemas.microsoft.com/office/drawing/2014/main" id="{F426AA9C-0095-43D5-92AB-C984CC60A135}"/>
+              </a:ext>
+            </a:extLst>
+          </p:cNvPr>
+          <p:cNvPicPr>
+            <a:picLocks noChangeAspect="1"/>
+          </p:cNvPicPr>
+          <p:nvPr/>
+        </p:nvPicPr>
+        <p:blipFill>
+          <a:blip r:embed="rId4">
+            <a:extLst>
+              <a:ext uri="{28A0092B-C50C-407E-A947-70E740481C1C}">
+                <a14:useLocalDpi xmlns:a14="http://schemas.microsoft.com/office/drawing/2010/main" val="0"/>
+              </a:ext>
+            </a:extLst>
+          </a:blip>
+          <a:stretch>
+            <a:fillRect/>
+          </a:stretch>
+        </p:blipFill>
+        <p:spPr>
+          <a:xfrm>
+            <a:off x="7893432" y="3091806"/>
+            <a:ext cx="3947247" cy="2220327"/>
+          </a:xfrm>
+          <a:prstGeom prst="rect">
+            <a:avLst/>
+          </a:prstGeom>
+        </p:spPr>
+      </p:pic>
+      <p:sp>
+        <p:nvSpPr>
+          <p:cNvPr id="12" name="Flecha: curvada hacia abajo 11">
+            <a:extLst>
+              <a:ext uri="{FF2B5EF4-FFF2-40B4-BE49-F238E27FC236}">
+                <a16:creationId xmlns:a16="http://schemas.microsoft.com/office/drawing/2014/main" id="{090ECDDE-AD81-463A-9894-D090B24948BD}"/>
+              </a:ext>
+            </a:extLst>
+          </p:cNvPr>
+          <p:cNvSpPr/>
+          <p:nvPr/>
+        </p:nvSpPr>
+        <p:spPr>
+          <a:xfrm rot="19948838">
+            <a:off x="2050605" y="1932748"/>
+            <a:ext cx="1645935" cy="723875"/>
+          </a:xfrm>
+          <a:prstGeom prst="curvedDownArrow">
+            <a:avLst>
+              <a:gd name="adj1" fmla="val 30051"/>
+              <a:gd name="adj2" fmla="val 50000"/>
+              <a:gd name="adj3" fmla="val 29746"/>
+            </a:avLst>
+          </a:prstGeom>
+          <a:solidFill>
+            <a:schemeClr val="tx1">
+              <a:lumMod val="50000"/>
+              <a:lumOff val="50000"/>
+            </a:schemeClr>
+          </a:solidFill>
+          <a:ln>
+            <a:solidFill>
+              <a:schemeClr val="bg1"/>
+            </a:solidFill>
+          </a:ln>
+        </p:spPr>
+        <p:style>
+          <a:lnRef idx="2">
+            <a:schemeClr val="accent1">
+              <a:shade val="50000"/>
+            </a:schemeClr>
+          </a:lnRef>
+          <a:fillRef idx="1">
+            <a:schemeClr val="accent1"/>
+          </a:fillRef>
+          <a:effectRef idx="0">
+            <a:schemeClr val="accent1"/>
+          </a:effectRef>
+          <a:fontRef idx="minor">
+            <a:schemeClr val="lt1"/>
+          </a:fontRef>
+        </p:style>
+        <p:txBody>
+          <a:bodyPr rtlCol="0" anchor="ctr"/>
+          <a:lstStyle/>
+          <a:p>
+            <a:pPr algn="ctr"/>
+            <a:endParaRPr lang="es-ES">
+              <a:solidFill>
+                <a:schemeClr val="tx1"/>
+              </a:solidFill>
+            </a:endParaRPr>
+          </a:p>
+        </p:txBody>
+      </p:sp>
+      <p:sp>
+        <p:nvSpPr>
+          <p:cNvPr id="13" name="Flecha: curvada hacia abajo 12">
+            <a:extLst>
+              <a:ext uri="{FF2B5EF4-FFF2-40B4-BE49-F238E27FC236}">
+                <a16:creationId xmlns:a16="http://schemas.microsoft.com/office/drawing/2014/main" id="{4C01A438-0937-47EC-8574-A3C240804ABA}"/>
+              </a:ext>
+            </a:extLst>
+          </p:cNvPr>
+          <p:cNvSpPr/>
+          <p:nvPr/>
+        </p:nvSpPr>
+        <p:spPr>
+          <a:xfrm rot="1959525">
+            <a:off x="7783106" y="1932747"/>
+            <a:ext cx="1645935" cy="723875"/>
+          </a:xfrm>
+          <a:prstGeom prst="curvedDownArrow">
+            <a:avLst>
+              <a:gd name="adj1" fmla="val 30051"/>
+              <a:gd name="adj2" fmla="val 50000"/>
+              <a:gd name="adj3" fmla="val 29746"/>
+            </a:avLst>
+          </a:prstGeom>
+          <a:solidFill>
+            <a:schemeClr val="tx1">
+              <a:lumMod val="50000"/>
+              <a:lumOff val="50000"/>
+            </a:schemeClr>
+          </a:solidFill>
+          <a:ln>
+            <a:solidFill>
+              <a:schemeClr val="bg1"/>
+            </a:solidFill>
+          </a:ln>
+        </p:spPr>
+        <p:style>
+          <a:lnRef idx="2">
+            <a:schemeClr val="accent1">
+              <a:shade val="50000"/>
+            </a:schemeClr>
+          </a:lnRef>
+          <a:fillRef idx="1">
+            <a:schemeClr val="accent1"/>
+          </a:fillRef>
+          <a:effectRef idx="0">
+            <a:schemeClr val="accent1"/>
+          </a:effectRef>
+          <a:fontRef idx="minor">
+            <a:schemeClr val="lt1"/>
+          </a:fontRef>
+        </p:style>
+        <p:txBody>
+          <a:bodyPr rtlCol="0" anchor="ctr"/>
+          <a:lstStyle/>
+          <a:p>
+            <a:pPr algn="ctr"/>
+            <a:endParaRPr lang="es-ES" dirty="0">
+              <a:solidFill>
+                <a:schemeClr val="tx1"/>
+              </a:solidFill>
+            </a:endParaRPr>
+          </a:p>
+        </p:txBody>
+      </p:sp>
+      <p:sp>
+        <p:nvSpPr>
+          <p:cNvPr id="16" name="Flecha: curvada hacia arriba 15">
+            <a:extLst>
+              <a:ext uri="{FF2B5EF4-FFF2-40B4-BE49-F238E27FC236}">
+                <a16:creationId xmlns:a16="http://schemas.microsoft.com/office/drawing/2014/main" id="{346352E9-DB0A-4563-B658-C7C5977C86B4}"/>
+              </a:ext>
+            </a:extLst>
+          </p:cNvPr>
+          <p:cNvSpPr/>
+          <p:nvPr/>
+        </p:nvSpPr>
+        <p:spPr>
+          <a:xfrm flipH="1">
+            <a:off x="3229547" y="5452568"/>
+            <a:ext cx="5029467" cy="731520"/>
+          </a:xfrm>
+          <a:prstGeom prst="curvedUpArrow">
+            <a:avLst/>
+          </a:prstGeom>
+          <a:solidFill>
+            <a:schemeClr val="tx1">
+              <a:lumMod val="50000"/>
+              <a:lumOff val="50000"/>
+            </a:schemeClr>
+          </a:solidFill>
+          <a:ln>
+            <a:solidFill>
+              <a:schemeClr val="bg1"/>
+            </a:solidFill>
+          </a:ln>
+        </p:spPr>
+        <p:style>
+          <a:lnRef idx="2">
+            <a:schemeClr val="accent1">
+              <a:shade val="50000"/>
+            </a:schemeClr>
+          </a:lnRef>
+          <a:fillRef idx="1">
+            <a:schemeClr val="accent1"/>
+          </a:fillRef>
+          <a:effectRef idx="0">
+            <a:schemeClr val="accent1"/>
+          </a:effectRef>
+          <a:fontRef idx="minor">
+            <a:schemeClr val="lt1"/>
+          </a:fontRef>
+        </p:style>
+        <p:txBody>
+          <a:bodyPr rtlCol="0" anchor="ctr"/>
+          <a:lstStyle/>
+          <a:p>
+            <a:pPr algn="ctr"/>
+            <a:endParaRPr lang="es-ES">
+              <a:solidFill>
+                <a:schemeClr val="tx1"/>
+              </a:solidFill>
+            </a:endParaRPr>
           </a:p>
         </p:txBody>
       </p:sp>
